--- a/TCC-documentos/Apresentacao/TCC.pptx
+++ b/TCC-documentos/Apresentacao/TCC.pptx
@@ -115,6 +115,11 @@
       </a:defRPr>
     </a:lvl9pPr>
   </p:defaultTextStyle>
+  <p:extLst>
+    <p:ext uri="{EFAFB233-063F-42B5-8137-9DF3F51BA10A}">
+      <p15:sldGuideLst xmlns:p15="http://schemas.microsoft.com/office/powerpoint/2012/main"/>
+    </p:ext>
+  </p:extLst>
 </p:presentation>
 </file>
 
@@ -551,6 +556,90 @@
     <p:extLst>
       <p:ext uri="{BB962C8B-B14F-4D97-AF65-F5344CB8AC3E}">
         <p14:creationId xmlns:p14="http://schemas.microsoft.com/office/powerpoint/2010/main" val="2043510056"/>
+      </p:ext>
+    </p:extLst>
+  </p:cSld>
+  <p:clrMapOvr>
+    <a:masterClrMapping/>
+  </p:clrMapOvr>
+</p:notes>
+</file>
+
+<file path=ppt/notesSlides/notesSlide2.xml><?xml version="1.0" encoding="utf-8"?>
+<p:notes xmlns:a="http://schemas.openxmlformats.org/drawingml/2006/main" xmlns:r="http://schemas.openxmlformats.org/officeDocument/2006/relationships" xmlns:p="http://schemas.openxmlformats.org/presentationml/2006/main">
+  <p:cSld>
+    <p:spTree>
+      <p:nvGrpSpPr>
+        <p:cNvPr id="1" name=""/>
+        <p:cNvGrpSpPr/>
+        <p:nvPr/>
+      </p:nvGrpSpPr>
+      <p:grpSpPr>
+        <a:xfrm>
+          <a:off x="0" y="0"/>
+          <a:ext cx="0" cy="0"/>
+          <a:chOff x="0" y="0"/>
+          <a:chExt cx="0" cy="0"/>
+        </a:xfrm>
+      </p:grpSpPr>
+      <p:sp>
+        <p:nvSpPr>
+          <p:cNvPr id="2" name="Espaço Reservado para Imagem de Slide 1"/>
+          <p:cNvSpPr>
+            <a:spLocks noGrp="1" noRot="1" noChangeAspect="1"/>
+          </p:cNvSpPr>
+          <p:nvPr>
+            <p:ph type="sldImg"/>
+          </p:nvPr>
+        </p:nvSpPr>
+        <p:spPr/>
+      </p:sp>
+      <p:sp>
+        <p:nvSpPr>
+          <p:cNvPr id="3" name="Espaço Reservado para Anotações 2"/>
+          <p:cNvSpPr>
+            <a:spLocks noGrp="1"/>
+          </p:cNvSpPr>
+          <p:nvPr>
+            <p:ph type="body" idx="1"/>
+          </p:nvPr>
+        </p:nvSpPr>
+        <p:spPr/>
+        <p:txBody>
+          <a:bodyPr/>
+          <a:lstStyle/>
+          <a:p>
+            <a:endParaRPr lang="pt-BR" dirty="0"/>
+          </a:p>
+        </p:txBody>
+      </p:sp>
+      <p:sp>
+        <p:nvSpPr>
+          <p:cNvPr id="4" name="Espaço Reservado para Número de Slide 3"/>
+          <p:cNvSpPr>
+            <a:spLocks noGrp="1"/>
+          </p:cNvSpPr>
+          <p:nvPr>
+            <p:ph type="sldNum" sz="quarter" idx="10"/>
+          </p:nvPr>
+        </p:nvSpPr>
+        <p:spPr/>
+        <p:txBody>
+          <a:bodyPr/>
+          <a:lstStyle/>
+          <a:p>
+            <a:fld id="{F985E3CD-85B8-43CD-A31A-BE87A48B626F}" type="slidenum">
+              <a:rPr lang="pt-BR" smtClean="0"/>
+              <a:t>4</a:t>
+            </a:fld>
+            <a:endParaRPr lang="pt-BR"/>
+          </a:p>
+        </p:txBody>
+      </p:sp>
+    </p:spTree>
+    <p:extLst>
+      <p:ext uri="{BB962C8B-B14F-4D97-AF65-F5344CB8AC3E}">
+        <p14:creationId xmlns:p14="http://schemas.microsoft.com/office/powerpoint/2010/main" val="2384284368"/>
       </p:ext>
     </p:extLst>
   </p:cSld>
@@ -3578,9 +3667,28 @@
           <a:bodyPr/>
           <a:lstStyle/>
           <a:p>
-            <a:r>
-              <a:rPr lang="pt-BR" dirty="0" smtClean="0"/>
-              <a:t>Carros à manivela</a:t>
+            <a:pPr marL="0" indent="0">
+              <a:buNone/>
+            </a:pPr>
+            <a:r>
+              <a:rPr lang="pt-BR" dirty="0" smtClean="0"/>
+              <a:t>Este trabalho vai ao encontro de uma tendência de aumentar o software embarcado em sistemas automotivos</a:t>
+            </a:r>
+          </a:p>
+          <a:p>
+            <a:pPr marL="0" indent="0">
+              <a:buNone/>
+            </a:pPr>
+            <a:endParaRPr lang="pt-BR" dirty="0" smtClean="0"/>
+          </a:p>
+          <a:p>
+            <a:r>
+              <a:rPr lang="pt-BR" dirty="0" smtClean="0"/>
+              <a:t>Carros </a:t>
+            </a:r>
+            <a:r>
+              <a:rPr lang="pt-BR" dirty="0" smtClean="0"/>
+              <a:t>à manivela</a:t>
             </a:r>
           </a:p>
           <a:p>
@@ -3592,7 +3700,26 @@
           <a:p>
             <a:r>
               <a:rPr lang="pt-BR" dirty="0" smtClean="0"/>
-              <a:t>Carros com injeção eletrônica</a:t>
+              <a:t>Carros com injeção </a:t>
+            </a:r>
+            <a:r>
+              <a:rPr lang="pt-BR" dirty="0" smtClean="0"/>
+              <a:t>eletrônica</a:t>
+            </a:r>
+          </a:p>
+          <a:p>
+            <a:pPr marL="0" indent="0">
+              <a:buNone/>
+            </a:pPr>
+            <a:endParaRPr lang="pt-BR" dirty="0" smtClean="0"/>
+          </a:p>
+          <a:p>
+            <a:pPr marL="0" indent="0">
+              <a:buNone/>
+            </a:pPr>
+            <a:r>
+              <a:rPr lang="pt-BR" dirty="0" smtClean="0"/>
+              <a:t>O trabalho vai explorar o desenvolvimento de um sistema de diagnóstico via interface OBDII</a:t>
             </a:r>
             <a:endParaRPr lang="pt-BR" dirty="0"/>
           </a:p>
@@ -3682,15 +3809,29 @@
             <a:pPr lvl="1"/>
             <a:r>
               <a:rPr lang="pt-BR" dirty="0" smtClean="0"/>
-              <a:t>Analisar possíveis falhas ou mal funcionamento dos sensores</a:t>
-            </a:r>
-          </a:p>
-          <a:p>
-            <a:pPr lvl="1"/>
-            <a:r>
-              <a:rPr lang="pt-BR" dirty="0" smtClean="0"/>
-              <a:t>Analisar possíveis defeitos ou anomalias eletrônicas</a:t>
-            </a:r>
+              <a:t>Analisar possíveis falhas ou </a:t>
+            </a:r>
+            <a:r>
+              <a:rPr lang="pt-BR" dirty="0" smtClean="0"/>
+              <a:t>mau </a:t>
+            </a:r>
+            <a:r>
+              <a:rPr lang="pt-BR" dirty="0" smtClean="0"/>
+              <a:t>funcionamento dos </a:t>
+            </a:r>
+            <a:r>
+              <a:rPr lang="pt-BR" dirty="0" smtClean="0"/>
+              <a:t>sensores, </a:t>
+            </a:r>
+            <a:r>
+              <a:rPr lang="pt-BR" dirty="0" smtClean="0"/>
+              <a:t>defeitos </a:t>
+            </a:r>
+            <a:r>
+              <a:rPr lang="pt-BR" dirty="0" smtClean="0"/>
+              <a:t>ou anomalias eletrônicas</a:t>
+            </a:r>
+            <a:endParaRPr lang="pt-BR" dirty="0" smtClean="0"/>
           </a:p>
           <a:p>
             <a:pPr lvl="1"/>
@@ -3778,8 +3919,13 @@
           <a:p>
             <a:r>
               <a:rPr lang="pt-BR" dirty="0" smtClean="0"/>
-              <a:t>Dificuldade em diagnosticar falhas eletrônicas por não emitir ruídos</a:t>
-            </a:r>
+              <a:t>Dificuldade em diagnosticar falhas eletrônicas por não emitir </a:t>
+            </a:r>
+            <a:r>
+              <a:rPr lang="pt-BR" dirty="0" smtClean="0"/>
+              <a:t>ruídos (sinais facilmente identificados)</a:t>
+            </a:r>
+            <a:endParaRPr lang="pt-BR" dirty="0" smtClean="0"/>
           </a:p>
           <a:p>
             <a:r>
@@ -3790,8 +3936,19 @@
           <a:p>
             <a:r>
               <a:rPr lang="pt-BR" dirty="0" smtClean="0"/>
-              <a:t>Fornecer independência ao motorista em diagnosticar eventuais problemas</a:t>
-            </a:r>
+              <a:t>Fornecer independência ao motorista em diagnosticar eventuais </a:t>
+            </a:r>
+            <a:r>
+              <a:rPr lang="pt-BR" dirty="0" smtClean="0"/>
+              <a:t>problemas</a:t>
+            </a:r>
+          </a:p>
+          <a:p>
+            <a:r>
+              <a:rPr lang="pt-BR" dirty="0" smtClean="0"/>
+              <a:t>Permitir o uso de ferramentas de manutenção preventiva (nuvem)</a:t>
+            </a:r>
+            <a:endParaRPr lang="pt-BR" dirty="0" smtClean="0"/>
           </a:p>
         </p:txBody>
       </p:sp>
@@ -3916,6 +4073,10 @@
           </a:p>
           <a:p>
             <a:pPr lvl="1"/>
+            <a:r>
+              <a:rPr lang="pt-BR" dirty="0" smtClean="0"/>
+              <a:t>Armazenamento em Nuvem</a:t>
+            </a:r>
             <a:endParaRPr lang="pt-BR" dirty="0"/>
           </a:p>
         </p:txBody>
@@ -4028,6 +4189,16 @@
               <a:rPr lang="pt-BR" dirty="0" err="1" smtClean="0"/>
               <a:t>Raspberry</a:t>
             </a:r>
+            <a:r>
+              <a:rPr lang="pt-BR" dirty="0" smtClean="0"/>
+              <a:t> PI3</a:t>
+            </a:r>
+          </a:p>
+          <a:p>
+            <a:r>
+              <a:rPr lang="pt-BR" dirty="0" smtClean="0"/>
+              <a:t>ELM327</a:t>
+            </a:r>
             <a:endParaRPr lang="pt-BR" dirty="0" smtClean="0"/>
           </a:p>
           <a:p>
@@ -4049,7 +4220,21 @@
             </a:r>
             <a:r>
               <a:rPr lang="pt-BR" dirty="0" smtClean="0"/>
-              <a:t> pires)</a:t>
+              <a:t> pires</a:t>
+            </a:r>
+            <a:r>
+              <a:rPr lang="pt-BR" dirty="0" smtClean="0"/>
+              <a:t>)</a:t>
+            </a:r>
+          </a:p>
+          <a:p>
+            <a:r>
+              <a:rPr lang="pt-BR" dirty="0" err="1" smtClean="0"/>
+              <a:t>Amazon</a:t>
+            </a:r>
+            <a:r>
+              <a:rPr lang="pt-BR" dirty="0" smtClean="0"/>
+              <a:t> Web Service</a:t>
             </a:r>
             <a:endParaRPr lang="pt-BR" dirty="0"/>
           </a:p>
